--- a/図作成用.pptx
+++ b/図作成用.pptx
@@ -7,6 +7,8 @@
   <p:sldIdLst>
     <p:sldId id="256" r:id="rId2"/>
     <p:sldId id="257" r:id="rId3"/>
+    <p:sldId id="258" r:id="rId4"/>
+    <p:sldId id="259" r:id="rId5"/>
   </p:sldIdLst>
   <p:sldSz cx="12192000" cy="6858000"/>
   <p:notesSz cx="6858000" cy="9144000"/>
@@ -105,6 +107,11 @@
       </a:defRPr>
     </a:lvl9pPr>
   </p:defaultTextStyle>
+  <p:extLst>
+    <p:ext uri="{EFAFB233-063F-42B5-8137-9DF3F51BA10A}">
+      <p15:sldGuideLst xmlns:p15="http://schemas.microsoft.com/office/powerpoint/2012/main"/>
+    </p:ext>
+  </p:extLst>
 </p:presentation>
 </file>
 
@@ -255,7 +262,7 @@
           <a:p>
             <a:fld id="{796039D4-4CE8-44BF-B4D7-E6504E8EC456}" type="datetimeFigureOut">
               <a:rPr kumimoji="1" lang="ja-JP" altLang="en-US" smtClean="0"/>
-              <a:t>2026/1/12</a:t>
+              <a:t>2026/1/21</a:t>
             </a:fld>
             <a:endParaRPr kumimoji="1" lang="ja-JP" altLang="en-US"/>
           </a:p>
@@ -485,7 +492,7 @@
           <a:p>
             <a:fld id="{796039D4-4CE8-44BF-B4D7-E6504E8EC456}" type="datetimeFigureOut">
               <a:rPr kumimoji="1" lang="ja-JP" altLang="en-US" smtClean="0"/>
-              <a:t>2026/1/12</a:t>
+              <a:t>2026/1/21</a:t>
             </a:fld>
             <a:endParaRPr kumimoji="1" lang="ja-JP" altLang="en-US"/>
           </a:p>
@@ -725,7 +732,7 @@
           <a:p>
             <a:fld id="{796039D4-4CE8-44BF-B4D7-E6504E8EC456}" type="datetimeFigureOut">
               <a:rPr kumimoji="1" lang="ja-JP" altLang="en-US" smtClean="0"/>
-              <a:t>2026/1/12</a:t>
+              <a:t>2026/1/21</a:t>
             </a:fld>
             <a:endParaRPr kumimoji="1" lang="ja-JP" altLang="en-US"/>
           </a:p>
@@ -955,7 +962,7 @@
           <a:p>
             <a:fld id="{796039D4-4CE8-44BF-B4D7-E6504E8EC456}" type="datetimeFigureOut">
               <a:rPr kumimoji="1" lang="ja-JP" altLang="en-US" smtClean="0"/>
-              <a:t>2026/1/12</a:t>
+              <a:t>2026/1/21</a:t>
             </a:fld>
             <a:endParaRPr kumimoji="1" lang="ja-JP" altLang="en-US"/>
           </a:p>
@@ -1230,7 +1237,7 @@
           <a:p>
             <a:fld id="{796039D4-4CE8-44BF-B4D7-E6504E8EC456}" type="datetimeFigureOut">
               <a:rPr kumimoji="1" lang="ja-JP" altLang="en-US" smtClean="0"/>
-              <a:t>2026/1/12</a:t>
+              <a:t>2026/1/21</a:t>
             </a:fld>
             <a:endParaRPr kumimoji="1" lang="ja-JP" altLang="en-US"/>
           </a:p>
@@ -1559,7 +1566,7 @@
           <a:p>
             <a:fld id="{796039D4-4CE8-44BF-B4D7-E6504E8EC456}" type="datetimeFigureOut">
               <a:rPr kumimoji="1" lang="ja-JP" altLang="en-US" smtClean="0"/>
-              <a:t>2026/1/12</a:t>
+              <a:t>2026/1/21</a:t>
             </a:fld>
             <a:endParaRPr kumimoji="1" lang="ja-JP" altLang="en-US"/>
           </a:p>
@@ -2035,7 +2042,7 @@
           <a:p>
             <a:fld id="{796039D4-4CE8-44BF-B4D7-E6504E8EC456}" type="datetimeFigureOut">
               <a:rPr kumimoji="1" lang="ja-JP" altLang="en-US" smtClean="0"/>
-              <a:t>2026/1/12</a:t>
+              <a:t>2026/1/21</a:t>
             </a:fld>
             <a:endParaRPr kumimoji="1" lang="ja-JP" altLang="en-US"/>
           </a:p>
@@ -2176,7 +2183,7 @@
           <a:p>
             <a:fld id="{796039D4-4CE8-44BF-B4D7-E6504E8EC456}" type="datetimeFigureOut">
               <a:rPr kumimoji="1" lang="ja-JP" altLang="en-US" smtClean="0"/>
-              <a:t>2026/1/12</a:t>
+              <a:t>2026/1/21</a:t>
             </a:fld>
             <a:endParaRPr kumimoji="1" lang="ja-JP" altLang="en-US"/>
           </a:p>
@@ -2289,7 +2296,7 @@
           <a:p>
             <a:fld id="{796039D4-4CE8-44BF-B4D7-E6504E8EC456}" type="datetimeFigureOut">
               <a:rPr kumimoji="1" lang="ja-JP" altLang="en-US" smtClean="0"/>
-              <a:t>2026/1/12</a:t>
+              <a:t>2026/1/21</a:t>
             </a:fld>
             <a:endParaRPr kumimoji="1" lang="ja-JP" altLang="en-US"/>
           </a:p>
@@ -2632,7 +2639,7 @@
           <a:p>
             <a:fld id="{796039D4-4CE8-44BF-B4D7-E6504E8EC456}" type="datetimeFigureOut">
               <a:rPr kumimoji="1" lang="ja-JP" altLang="en-US" smtClean="0"/>
-              <a:t>2026/1/12</a:t>
+              <a:t>2026/1/21</a:t>
             </a:fld>
             <a:endParaRPr kumimoji="1" lang="ja-JP" altLang="en-US"/>
           </a:p>
@@ -2920,7 +2927,7 @@
           <a:p>
             <a:fld id="{796039D4-4CE8-44BF-B4D7-E6504E8EC456}" type="datetimeFigureOut">
               <a:rPr kumimoji="1" lang="ja-JP" altLang="en-US" smtClean="0"/>
-              <a:t>2026/1/12</a:t>
+              <a:t>2026/1/21</a:t>
             </a:fld>
             <a:endParaRPr kumimoji="1" lang="ja-JP" altLang="en-US"/>
           </a:p>
@@ -3193,7 +3200,7 @@
           <a:p>
             <a:fld id="{796039D4-4CE8-44BF-B4D7-E6504E8EC456}" type="datetimeFigureOut">
               <a:rPr kumimoji="1" lang="ja-JP" altLang="en-US" smtClean="0"/>
-              <a:t>2026/1/12</a:t>
+              <a:t>2026/1/21</a:t>
             </a:fld>
             <a:endParaRPr kumimoji="1" lang="ja-JP" altLang="en-US"/>
           </a:p>
@@ -3737,6 +3744,1158 @@
     <p:extLst>
       <p:ext uri="{BB962C8B-B14F-4D97-AF65-F5344CB8AC3E}">
         <p14:creationId xmlns:p14="http://schemas.microsoft.com/office/powerpoint/2010/main" val="1849372119"/>
+      </p:ext>
+    </p:extLst>
+  </p:cSld>
+  <p:clrMapOvr>
+    <a:masterClrMapping/>
+  </p:clrMapOvr>
+</p:sld>
+</file>
+
+<file path=ppt/slides/slide3.xml><?xml version="1.0" encoding="utf-8"?>
+<p:sld xmlns:a="http://schemas.openxmlformats.org/drawingml/2006/main" xmlns:r="http://schemas.openxmlformats.org/officeDocument/2006/relationships" xmlns:p="http://schemas.openxmlformats.org/presentationml/2006/main">
+  <p:cSld>
+    <p:spTree>
+      <p:nvGrpSpPr>
+        <p:cNvPr id="1" name="">
+          <a:extLst>
+            <a:ext uri="{FF2B5EF4-FFF2-40B4-BE49-F238E27FC236}">
+              <a16:creationId xmlns:a16="http://schemas.microsoft.com/office/drawing/2014/main" id="{D0DDCCB0-5AA2-5506-A07B-69E51F957A85}"/>
+            </a:ext>
+          </a:extLst>
+        </p:cNvPr>
+        <p:cNvGrpSpPr/>
+        <p:nvPr/>
+      </p:nvGrpSpPr>
+      <p:grpSpPr>
+        <a:xfrm>
+          <a:off x="0" y="0"/>
+          <a:ext cx="0" cy="0"/>
+          <a:chOff x="0" y="0"/>
+          <a:chExt cx="0" cy="0"/>
+        </a:xfrm>
+      </p:grpSpPr>
+      <p:sp>
+        <p:nvSpPr>
+          <p:cNvPr id="2" name="テキスト ボックス 1">
+            <a:extLst>
+              <a:ext uri="{FF2B5EF4-FFF2-40B4-BE49-F238E27FC236}">
+                <a16:creationId xmlns:a16="http://schemas.microsoft.com/office/drawing/2014/main" id="{46851919-A085-6BBC-69B9-D6AC0C68DF7E}"/>
+              </a:ext>
+            </a:extLst>
+          </p:cNvPr>
+          <p:cNvSpPr txBox="1"/>
+          <p:nvPr/>
+        </p:nvSpPr>
+        <p:spPr>
+          <a:xfrm>
+            <a:off x="539749" y="773936"/>
+            <a:ext cx="3028949" cy="369332"/>
+          </a:xfrm>
+          <a:prstGeom prst="rect">
+            <a:avLst/>
+          </a:prstGeom>
+          <a:noFill/>
+          <a:ln>
+            <a:solidFill>
+              <a:schemeClr val="accent6"/>
+            </a:solidFill>
+          </a:ln>
+        </p:spPr>
+        <p:txBody>
+          <a:bodyPr wrap="square" rtlCol="0">
+            <a:spAutoFit/>
+          </a:bodyPr>
+          <a:lstStyle/>
+          <a:p>
+            <a:pPr algn="ctr"/>
+            <a:r>
+              <a:rPr kumimoji="1" lang="ja-JP" altLang="en-US" dirty="0"/>
+              <a:t>審判を学習</a:t>
+            </a:r>
+          </a:p>
+        </p:txBody>
+      </p:sp>
+      <p:sp>
+        <p:nvSpPr>
+          <p:cNvPr id="3" name="テキスト ボックス 2">
+            <a:extLst>
+              <a:ext uri="{FF2B5EF4-FFF2-40B4-BE49-F238E27FC236}">
+                <a16:creationId xmlns:a16="http://schemas.microsoft.com/office/drawing/2014/main" id="{75663461-87C6-96D0-8C76-D28C1C175E7E}"/>
+              </a:ext>
+            </a:extLst>
+          </p:cNvPr>
+          <p:cNvSpPr txBox="1"/>
+          <p:nvPr/>
+        </p:nvSpPr>
+        <p:spPr>
+          <a:xfrm>
+            <a:off x="539749" y="1885545"/>
+            <a:ext cx="3028949" cy="369332"/>
+          </a:xfrm>
+          <a:prstGeom prst="rect">
+            <a:avLst/>
+          </a:prstGeom>
+          <a:noFill/>
+          <a:ln>
+            <a:solidFill>
+              <a:schemeClr val="accent1">
+                <a:lumMod val="60000"/>
+                <a:lumOff val="40000"/>
+              </a:schemeClr>
+            </a:solidFill>
+          </a:ln>
+        </p:spPr>
+        <p:txBody>
+          <a:bodyPr wrap="square" rtlCol="0">
+            <a:spAutoFit/>
+          </a:bodyPr>
+          <a:lstStyle/>
+          <a:p>
+            <a:pPr algn="ctr"/>
+            <a:r>
+              <a:rPr kumimoji="1" lang="ja-JP" altLang="en-US" dirty="0"/>
+              <a:t>審判認識モデル</a:t>
+            </a:r>
+          </a:p>
+        </p:txBody>
+      </p:sp>
+      <p:sp>
+        <p:nvSpPr>
+          <p:cNvPr id="4" name="テキスト ボックス 3">
+            <a:extLst>
+              <a:ext uri="{FF2B5EF4-FFF2-40B4-BE49-F238E27FC236}">
+                <a16:creationId xmlns:a16="http://schemas.microsoft.com/office/drawing/2014/main" id="{8FF7FC75-7180-61C1-716A-07158B7323F2}"/>
+              </a:ext>
+            </a:extLst>
+          </p:cNvPr>
+          <p:cNvSpPr txBox="1"/>
+          <p:nvPr/>
+        </p:nvSpPr>
+        <p:spPr>
+          <a:xfrm>
+            <a:off x="4632325" y="310981"/>
+            <a:ext cx="3028950" cy="369332"/>
+          </a:xfrm>
+          <a:prstGeom prst="rect">
+            <a:avLst/>
+          </a:prstGeom>
+          <a:noFill/>
+          <a:ln>
+            <a:solidFill>
+              <a:schemeClr val="accent1">
+                <a:lumMod val="60000"/>
+                <a:lumOff val="40000"/>
+              </a:schemeClr>
+            </a:solidFill>
+          </a:ln>
+        </p:spPr>
+        <p:txBody>
+          <a:bodyPr wrap="square" rtlCol="0">
+            <a:spAutoFit/>
+          </a:bodyPr>
+          <a:lstStyle/>
+          <a:p>
+            <a:pPr algn="ctr"/>
+            <a:r>
+              <a:rPr kumimoji="1" lang="ja-JP" altLang="en-US" dirty="0"/>
+              <a:t>入力（シュートの動画）</a:t>
+            </a:r>
+          </a:p>
+        </p:txBody>
+      </p:sp>
+      <p:sp>
+        <p:nvSpPr>
+          <p:cNvPr id="6" name="テキスト ボックス 5">
+            <a:extLst>
+              <a:ext uri="{FF2B5EF4-FFF2-40B4-BE49-F238E27FC236}">
+                <a16:creationId xmlns:a16="http://schemas.microsoft.com/office/drawing/2014/main" id="{97FAD84B-5F46-C75E-955E-5F2D487AFA7B}"/>
+              </a:ext>
+            </a:extLst>
+          </p:cNvPr>
+          <p:cNvSpPr txBox="1"/>
+          <p:nvPr/>
+        </p:nvSpPr>
+        <p:spPr>
+          <a:xfrm>
+            <a:off x="4632326" y="1885545"/>
+            <a:ext cx="3028950" cy="369332"/>
+          </a:xfrm>
+          <a:prstGeom prst="rect">
+            <a:avLst/>
+          </a:prstGeom>
+          <a:noFill/>
+          <a:ln>
+            <a:solidFill>
+              <a:schemeClr val="accent6"/>
+            </a:solidFill>
+          </a:ln>
+        </p:spPr>
+        <p:txBody>
+          <a:bodyPr wrap="square" rtlCol="0">
+            <a:spAutoFit/>
+          </a:bodyPr>
+          <a:lstStyle/>
+          <a:p>
+            <a:pPr algn="ctr"/>
+            <a:r>
+              <a:rPr kumimoji="1" lang="ja-JP" altLang="en-US" dirty="0"/>
+              <a:t>審判認識</a:t>
+            </a:r>
+          </a:p>
+        </p:txBody>
+      </p:sp>
+      <p:sp>
+        <p:nvSpPr>
+          <p:cNvPr id="7" name="テキスト ボックス 6">
+            <a:extLst>
+              <a:ext uri="{FF2B5EF4-FFF2-40B4-BE49-F238E27FC236}">
+                <a16:creationId xmlns:a16="http://schemas.microsoft.com/office/drawing/2014/main" id="{45B64FBB-1A6A-EF85-048C-2D3BCA49C350}"/>
+              </a:ext>
+            </a:extLst>
+          </p:cNvPr>
+          <p:cNvSpPr txBox="1"/>
+          <p:nvPr/>
+        </p:nvSpPr>
+        <p:spPr>
+          <a:xfrm>
+            <a:off x="4632326" y="3460108"/>
+            <a:ext cx="3028949" cy="369332"/>
+          </a:xfrm>
+          <a:prstGeom prst="rect">
+            <a:avLst/>
+          </a:prstGeom>
+          <a:noFill/>
+          <a:ln>
+            <a:solidFill>
+              <a:schemeClr val="accent6"/>
+            </a:solidFill>
+          </a:ln>
+        </p:spPr>
+        <p:txBody>
+          <a:bodyPr wrap="square" rtlCol="0">
+            <a:spAutoFit/>
+          </a:bodyPr>
+          <a:lstStyle/>
+          <a:p>
+            <a:pPr algn="ctr"/>
+            <a:r>
+              <a:rPr kumimoji="1" lang="ja-JP" altLang="en-US" dirty="0"/>
+              <a:t>骨格抽出</a:t>
+            </a:r>
+          </a:p>
+        </p:txBody>
+      </p:sp>
+      <p:sp>
+        <p:nvSpPr>
+          <p:cNvPr id="9" name="テキスト ボックス 8">
+            <a:extLst>
+              <a:ext uri="{FF2B5EF4-FFF2-40B4-BE49-F238E27FC236}">
+                <a16:creationId xmlns:a16="http://schemas.microsoft.com/office/drawing/2014/main" id="{A64CB890-0D66-2E0A-2275-E8CC71FA57D8}"/>
+              </a:ext>
+            </a:extLst>
+          </p:cNvPr>
+          <p:cNvSpPr txBox="1"/>
+          <p:nvPr/>
+        </p:nvSpPr>
+        <p:spPr>
+          <a:xfrm>
+            <a:off x="8623300" y="172482"/>
+            <a:ext cx="3028950" cy="646331"/>
+          </a:xfrm>
+          <a:prstGeom prst="rect">
+            <a:avLst/>
+          </a:prstGeom>
+          <a:noFill/>
+          <a:ln>
+            <a:solidFill>
+              <a:schemeClr val="accent6"/>
+            </a:solidFill>
+          </a:ln>
+        </p:spPr>
+        <p:txBody>
+          <a:bodyPr wrap="square" rtlCol="0">
+            <a:spAutoFit/>
+          </a:bodyPr>
+          <a:lstStyle/>
+          <a:p>
+            <a:pPr algn="ctr"/>
+            <a:r>
+              <a:rPr kumimoji="1" lang="ja-JP" altLang="en-US" dirty="0"/>
+              <a:t>シュートの瞬間の</a:t>
+            </a:r>
+            <a:endParaRPr kumimoji="1" lang="en-US" altLang="ja-JP" dirty="0"/>
+          </a:p>
+          <a:p>
+            <a:pPr algn="ctr"/>
+            <a:r>
+              <a:rPr kumimoji="1" lang="ja-JP" altLang="en-US" dirty="0"/>
+              <a:t>フレーム番号を抽出</a:t>
+            </a:r>
+          </a:p>
+        </p:txBody>
+      </p:sp>
+      <p:sp>
+        <p:nvSpPr>
+          <p:cNvPr id="10" name="テキスト ボックス 9">
+            <a:extLst>
+              <a:ext uri="{FF2B5EF4-FFF2-40B4-BE49-F238E27FC236}">
+                <a16:creationId xmlns:a16="http://schemas.microsoft.com/office/drawing/2014/main" id="{C637310F-058B-1B68-7A4D-DD1A429850FA}"/>
+              </a:ext>
+            </a:extLst>
+          </p:cNvPr>
+          <p:cNvSpPr txBox="1"/>
+          <p:nvPr/>
+        </p:nvSpPr>
+        <p:spPr>
+          <a:xfrm>
+            <a:off x="8623300" y="1062483"/>
+            <a:ext cx="3028950" cy="369332"/>
+          </a:xfrm>
+          <a:prstGeom prst="rect">
+            <a:avLst/>
+          </a:prstGeom>
+          <a:noFill/>
+          <a:ln>
+            <a:solidFill>
+              <a:schemeClr val="accent6"/>
+            </a:solidFill>
+          </a:ln>
+        </p:spPr>
+        <p:txBody>
+          <a:bodyPr wrap="square" rtlCol="0">
+            <a:spAutoFit/>
+          </a:bodyPr>
+          <a:lstStyle/>
+          <a:p>
+            <a:pPr algn="ctr"/>
+            <a:r>
+              <a:rPr lang="ja-JP" altLang="en-US" dirty="0"/>
+              <a:t>選手</a:t>
+            </a:r>
+            <a:r>
+              <a:rPr kumimoji="1" lang="ja-JP" altLang="en-US" dirty="0"/>
+              <a:t>認識</a:t>
+            </a:r>
+          </a:p>
+        </p:txBody>
+      </p:sp>
+      <p:sp>
+        <p:nvSpPr>
+          <p:cNvPr id="11" name="テキスト ボックス 10">
+            <a:extLst>
+              <a:ext uri="{FF2B5EF4-FFF2-40B4-BE49-F238E27FC236}">
+                <a16:creationId xmlns:a16="http://schemas.microsoft.com/office/drawing/2014/main" id="{2F2AE5A4-99E1-A3DC-EE0A-E92B0068F5E2}"/>
+              </a:ext>
+            </a:extLst>
+          </p:cNvPr>
+          <p:cNvSpPr txBox="1"/>
+          <p:nvPr/>
+        </p:nvSpPr>
+        <p:spPr>
+          <a:xfrm>
+            <a:off x="8623300" y="1676874"/>
+            <a:ext cx="3028950" cy="646331"/>
+          </a:xfrm>
+          <a:prstGeom prst="rect">
+            <a:avLst/>
+          </a:prstGeom>
+          <a:noFill/>
+          <a:ln>
+            <a:solidFill>
+              <a:schemeClr val="accent6"/>
+            </a:solidFill>
+          </a:ln>
+        </p:spPr>
+        <p:txBody>
+          <a:bodyPr wrap="square" rtlCol="0">
+            <a:spAutoFit/>
+          </a:bodyPr>
+          <a:lstStyle/>
+          <a:p>
+            <a:pPr algn="ctr"/>
+            <a:r>
+              <a:rPr kumimoji="1" lang="ja-JP" altLang="en-US" dirty="0"/>
+              <a:t>特徴点を自動で抽出</a:t>
+            </a:r>
+            <a:endParaRPr kumimoji="1" lang="en-US" altLang="ja-JP" dirty="0"/>
+          </a:p>
+          <a:p>
+            <a:pPr algn="ctr"/>
+            <a:r>
+              <a:rPr lang="ja-JP" altLang="en-US" dirty="0"/>
+              <a:t>ホモグラフィ行列を計算</a:t>
+            </a:r>
+            <a:endParaRPr kumimoji="1" lang="ja-JP" altLang="en-US" dirty="0"/>
+          </a:p>
+        </p:txBody>
+      </p:sp>
+      <p:sp>
+        <p:nvSpPr>
+          <p:cNvPr id="12" name="テキスト ボックス 11">
+            <a:extLst>
+              <a:ext uri="{FF2B5EF4-FFF2-40B4-BE49-F238E27FC236}">
+                <a16:creationId xmlns:a16="http://schemas.microsoft.com/office/drawing/2014/main" id="{65B94697-6A54-E37D-4625-0B50EB2C6ACD}"/>
+              </a:ext>
+            </a:extLst>
+          </p:cNvPr>
+          <p:cNvSpPr txBox="1"/>
+          <p:nvPr/>
+        </p:nvSpPr>
+        <p:spPr>
+          <a:xfrm>
+            <a:off x="8623300" y="2564399"/>
+            <a:ext cx="3028950" cy="369332"/>
+          </a:xfrm>
+          <a:prstGeom prst="rect">
+            <a:avLst/>
+          </a:prstGeom>
+          <a:noFill/>
+          <a:ln>
+            <a:solidFill>
+              <a:schemeClr val="accent6"/>
+            </a:solidFill>
+          </a:ln>
+        </p:spPr>
+        <p:txBody>
+          <a:bodyPr wrap="square" rtlCol="0">
+            <a:spAutoFit/>
+          </a:bodyPr>
+          <a:lstStyle/>
+          <a:p>
+            <a:pPr algn="ctr"/>
+            <a:r>
+              <a:rPr kumimoji="1" lang="ja-JP" altLang="en-US" dirty="0"/>
+              <a:t>シューターの番号を選択</a:t>
+            </a:r>
+          </a:p>
+        </p:txBody>
+      </p:sp>
+      <p:sp>
+        <p:nvSpPr>
+          <p:cNvPr id="13" name="テキスト ボックス 12">
+            <a:extLst>
+              <a:ext uri="{FF2B5EF4-FFF2-40B4-BE49-F238E27FC236}">
+                <a16:creationId xmlns:a16="http://schemas.microsoft.com/office/drawing/2014/main" id="{9535CFE2-7BF9-AB93-030E-0652A91F9B11}"/>
+              </a:ext>
+            </a:extLst>
+          </p:cNvPr>
+          <p:cNvSpPr txBox="1"/>
+          <p:nvPr/>
+        </p:nvSpPr>
+        <p:spPr>
+          <a:xfrm>
+            <a:off x="8629650" y="3181266"/>
+            <a:ext cx="3028950" cy="646331"/>
+          </a:xfrm>
+          <a:prstGeom prst="rect">
+            <a:avLst/>
+          </a:prstGeom>
+          <a:noFill/>
+          <a:ln>
+            <a:solidFill>
+              <a:schemeClr val="accent6"/>
+            </a:solidFill>
+          </a:ln>
+        </p:spPr>
+        <p:txBody>
+          <a:bodyPr wrap="square" rtlCol="0">
+            <a:spAutoFit/>
+          </a:bodyPr>
+          <a:lstStyle/>
+          <a:p>
+            <a:pPr algn="ctr"/>
+            <a:r>
+              <a:rPr kumimoji="1" lang="ja-JP" altLang="en-US" dirty="0"/>
+              <a:t>ホモグラフィ行列を用いて</a:t>
+            </a:r>
+            <a:br>
+              <a:rPr kumimoji="1" lang="en-US" altLang="ja-JP" dirty="0"/>
+            </a:br>
+            <a:r>
+              <a:rPr kumimoji="1" lang="ja-JP" altLang="en-US" dirty="0"/>
+              <a:t>シューターの位置を補正</a:t>
+            </a:r>
+          </a:p>
+        </p:txBody>
+      </p:sp>
+      <p:sp>
+        <p:nvSpPr>
+          <p:cNvPr id="15" name="テキスト ボックス 14">
+            <a:extLst>
+              <a:ext uri="{FF2B5EF4-FFF2-40B4-BE49-F238E27FC236}">
+                <a16:creationId xmlns:a16="http://schemas.microsoft.com/office/drawing/2014/main" id="{E7959FEB-E3CA-7A96-0F29-4A73223A689E}"/>
+              </a:ext>
+            </a:extLst>
+          </p:cNvPr>
+          <p:cNvSpPr txBox="1"/>
+          <p:nvPr/>
+        </p:nvSpPr>
+        <p:spPr>
+          <a:xfrm>
+            <a:off x="5915024" y="4733151"/>
+            <a:ext cx="4460876" cy="369332"/>
+          </a:xfrm>
+          <a:prstGeom prst="rect">
+            <a:avLst/>
+          </a:prstGeom>
+          <a:noFill/>
+          <a:ln>
+            <a:solidFill>
+              <a:schemeClr val="accent6"/>
+            </a:solidFill>
+          </a:ln>
+        </p:spPr>
+        <p:txBody>
+          <a:bodyPr wrap="square" rtlCol="0">
+            <a:spAutoFit/>
+          </a:bodyPr>
+          <a:lstStyle/>
+          <a:p>
+            <a:pPr algn="ctr"/>
+            <a:r>
+              <a:rPr kumimoji="1" lang="ja-JP" altLang="en-US" dirty="0"/>
+              <a:t>シュート種類判別モジュール</a:t>
+            </a:r>
+          </a:p>
+        </p:txBody>
+      </p:sp>
+      <p:sp>
+        <p:nvSpPr>
+          <p:cNvPr id="16" name="テキスト ボックス 15">
+            <a:extLst>
+              <a:ext uri="{FF2B5EF4-FFF2-40B4-BE49-F238E27FC236}">
+                <a16:creationId xmlns:a16="http://schemas.microsoft.com/office/drawing/2014/main" id="{74B9251D-31B8-94AB-A6DF-2E71500A83FC}"/>
+              </a:ext>
+            </a:extLst>
+          </p:cNvPr>
+          <p:cNvSpPr txBox="1"/>
+          <p:nvPr/>
+        </p:nvSpPr>
+        <p:spPr>
+          <a:xfrm>
+            <a:off x="5915024" y="5660925"/>
+            <a:ext cx="4460876" cy="369332"/>
+          </a:xfrm>
+          <a:prstGeom prst="rect">
+            <a:avLst/>
+          </a:prstGeom>
+          <a:noFill/>
+          <a:ln>
+            <a:solidFill>
+              <a:schemeClr val="accent1">
+                <a:lumMod val="60000"/>
+                <a:lumOff val="40000"/>
+              </a:schemeClr>
+            </a:solidFill>
+          </a:ln>
+        </p:spPr>
+        <p:txBody>
+          <a:bodyPr wrap="square" rtlCol="0">
+            <a:spAutoFit/>
+          </a:bodyPr>
+          <a:lstStyle/>
+          <a:p>
+            <a:pPr algn="ctr"/>
+            <a:r>
+              <a:rPr kumimoji="1" lang="ja-JP" altLang="en-US" dirty="0"/>
+              <a:t>判別結果を出力</a:t>
+            </a:r>
+          </a:p>
+        </p:txBody>
+      </p:sp>
+      <p:cxnSp>
+        <p:nvCxnSpPr>
+          <p:cNvPr id="18" name="直線矢印コネクタ 17">
+            <a:extLst>
+              <a:ext uri="{FF2B5EF4-FFF2-40B4-BE49-F238E27FC236}">
+                <a16:creationId xmlns:a16="http://schemas.microsoft.com/office/drawing/2014/main" id="{52D06734-B51F-6E42-3CC0-2E59FC91462F}"/>
+              </a:ext>
+            </a:extLst>
+          </p:cNvPr>
+          <p:cNvCxnSpPr>
+            <a:stCxn id="2" idx="2"/>
+            <a:endCxn id="3" idx="0"/>
+          </p:cNvCxnSpPr>
+          <p:nvPr/>
+        </p:nvCxnSpPr>
+        <p:spPr>
+          <a:xfrm>
+            <a:off x="2054224" y="1143268"/>
+            <a:ext cx="0" cy="742277"/>
+          </a:xfrm>
+          <a:prstGeom prst="straightConnector1">
+            <a:avLst/>
+          </a:prstGeom>
+          <a:ln>
+            <a:tailEnd type="triangle"/>
+          </a:ln>
+        </p:spPr>
+        <p:style>
+          <a:lnRef idx="2">
+            <a:schemeClr val="accent1"/>
+          </a:lnRef>
+          <a:fillRef idx="0">
+            <a:schemeClr val="accent1"/>
+          </a:fillRef>
+          <a:effectRef idx="1">
+            <a:schemeClr val="accent1"/>
+          </a:effectRef>
+          <a:fontRef idx="minor">
+            <a:schemeClr val="tx1"/>
+          </a:fontRef>
+        </p:style>
+      </p:cxnSp>
+      <p:cxnSp>
+        <p:nvCxnSpPr>
+          <p:cNvPr id="19" name="直線矢印コネクタ 18">
+            <a:extLst>
+              <a:ext uri="{FF2B5EF4-FFF2-40B4-BE49-F238E27FC236}">
+                <a16:creationId xmlns:a16="http://schemas.microsoft.com/office/drawing/2014/main" id="{1E29158A-7A34-540D-3FB0-B012679E578E}"/>
+              </a:ext>
+            </a:extLst>
+          </p:cNvPr>
+          <p:cNvCxnSpPr>
+            <a:cxnSpLocks/>
+            <a:stCxn id="3" idx="3"/>
+            <a:endCxn id="6" idx="1"/>
+          </p:cNvCxnSpPr>
+          <p:nvPr/>
+        </p:nvCxnSpPr>
+        <p:spPr>
+          <a:xfrm>
+            <a:off x="3568698" y="2070211"/>
+            <a:ext cx="1063628" cy="0"/>
+          </a:xfrm>
+          <a:prstGeom prst="straightConnector1">
+            <a:avLst/>
+          </a:prstGeom>
+          <a:ln>
+            <a:tailEnd type="triangle"/>
+          </a:ln>
+        </p:spPr>
+        <p:style>
+          <a:lnRef idx="2">
+            <a:schemeClr val="accent1"/>
+          </a:lnRef>
+          <a:fillRef idx="0">
+            <a:schemeClr val="accent1"/>
+          </a:fillRef>
+          <a:effectRef idx="1">
+            <a:schemeClr val="accent1"/>
+          </a:effectRef>
+          <a:fontRef idx="minor">
+            <a:schemeClr val="tx1"/>
+          </a:fontRef>
+        </p:style>
+      </p:cxnSp>
+      <p:cxnSp>
+        <p:nvCxnSpPr>
+          <p:cNvPr id="22" name="直線矢印コネクタ 21">
+            <a:extLst>
+              <a:ext uri="{FF2B5EF4-FFF2-40B4-BE49-F238E27FC236}">
+                <a16:creationId xmlns:a16="http://schemas.microsoft.com/office/drawing/2014/main" id="{4EBC3681-ABA9-B540-EB70-9F2E75729D93}"/>
+              </a:ext>
+            </a:extLst>
+          </p:cNvPr>
+          <p:cNvCxnSpPr>
+            <a:cxnSpLocks/>
+            <a:stCxn id="4" idx="2"/>
+            <a:endCxn id="6" idx="0"/>
+          </p:cNvCxnSpPr>
+          <p:nvPr/>
+        </p:nvCxnSpPr>
+        <p:spPr>
+          <a:xfrm>
+            <a:off x="6146800" y="680313"/>
+            <a:ext cx="1" cy="1205232"/>
+          </a:xfrm>
+          <a:prstGeom prst="straightConnector1">
+            <a:avLst/>
+          </a:prstGeom>
+          <a:ln>
+            <a:tailEnd type="triangle"/>
+          </a:ln>
+        </p:spPr>
+        <p:style>
+          <a:lnRef idx="2">
+            <a:schemeClr val="accent1"/>
+          </a:lnRef>
+          <a:fillRef idx="0">
+            <a:schemeClr val="accent1"/>
+          </a:fillRef>
+          <a:effectRef idx="1">
+            <a:schemeClr val="accent1"/>
+          </a:effectRef>
+          <a:fontRef idx="minor">
+            <a:schemeClr val="tx1"/>
+          </a:fontRef>
+        </p:style>
+      </p:cxnSp>
+      <p:cxnSp>
+        <p:nvCxnSpPr>
+          <p:cNvPr id="25" name="直線矢印コネクタ 24">
+            <a:extLst>
+              <a:ext uri="{FF2B5EF4-FFF2-40B4-BE49-F238E27FC236}">
+                <a16:creationId xmlns:a16="http://schemas.microsoft.com/office/drawing/2014/main" id="{79E98AC6-E399-F92D-BF29-B947CBB05D22}"/>
+              </a:ext>
+            </a:extLst>
+          </p:cNvPr>
+          <p:cNvCxnSpPr>
+            <a:cxnSpLocks/>
+            <a:stCxn id="6" idx="2"/>
+            <a:endCxn id="7" idx="0"/>
+          </p:cNvCxnSpPr>
+          <p:nvPr/>
+        </p:nvCxnSpPr>
+        <p:spPr>
+          <a:xfrm>
+            <a:off x="6146801" y="2254877"/>
+            <a:ext cx="0" cy="1205231"/>
+          </a:xfrm>
+          <a:prstGeom prst="straightConnector1">
+            <a:avLst/>
+          </a:prstGeom>
+          <a:ln>
+            <a:tailEnd type="triangle"/>
+          </a:ln>
+        </p:spPr>
+        <p:style>
+          <a:lnRef idx="2">
+            <a:schemeClr val="accent1"/>
+          </a:lnRef>
+          <a:fillRef idx="0">
+            <a:schemeClr val="accent1"/>
+          </a:fillRef>
+          <a:effectRef idx="1">
+            <a:schemeClr val="accent1"/>
+          </a:effectRef>
+          <a:fontRef idx="minor">
+            <a:schemeClr val="tx1"/>
+          </a:fontRef>
+        </p:style>
+      </p:cxnSp>
+      <p:cxnSp>
+        <p:nvCxnSpPr>
+          <p:cNvPr id="28" name="直線矢印コネクタ 27">
+            <a:extLst>
+              <a:ext uri="{FF2B5EF4-FFF2-40B4-BE49-F238E27FC236}">
+                <a16:creationId xmlns:a16="http://schemas.microsoft.com/office/drawing/2014/main" id="{DC5B35AF-A305-79FB-6A10-C3D279440CEF}"/>
+              </a:ext>
+            </a:extLst>
+          </p:cNvPr>
+          <p:cNvCxnSpPr>
+            <a:cxnSpLocks/>
+            <a:stCxn id="7" idx="2"/>
+            <a:endCxn id="15" idx="0"/>
+          </p:cNvCxnSpPr>
+          <p:nvPr/>
+        </p:nvCxnSpPr>
+        <p:spPr>
+          <a:xfrm>
+            <a:off x="6146801" y="3829440"/>
+            <a:ext cx="1998661" cy="903711"/>
+          </a:xfrm>
+          <a:prstGeom prst="straightConnector1">
+            <a:avLst/>
+          </a:prstGeom>
+          <a:ln>
+            <a:tailEnd type="triangle"/>
+          </a:ln>
+        </p:spPr>
+        <p:style>
+          <a:lnRef idx="2">
+            <a:schemeClr val="accent1"/>
+          </a:lnRef>
+          <a:fillRef idx="0">
+            <a:schemeClr val="accent1"/>
+          </a:fillRef>
+          <a:effectRef idx="1">
+            <a:schemeClr val="accent1"/>
+          </a:effectRef>
+          <a:fontRef idx="minor">
+            <a:schemeClr val="tx1"/>
+          </a:fontRef>
+        </p:style>
+      </p:cxnSp>
+      <p:cxnSp>
+        <p:nvCxnSpPr>
+          <p:cNvPr id="31" name="直線矢印コネクタ 30">
+            <a:extLst>
+              <a:ext uri="{FF2B5EF4-FFF2-40B4-BE49-F238E27FC236}">
+                <a16:creationId xmlns:a16="http://schemas.microsoft.com/office/drawing/2014/main" id="{7203B13D-42B6-EB52-F105-EDD088BA711D}"/>
+              </a:ext>
+            </a:extLst>
+          </p:cNvPr>
+          <p:cNvCxnSpPr>
+            <a:cxnSpLocks/>
+            <a:stCxn id="9" idx="2"/>
+            <a:endCxn id="10" idx="0"/>
+          </p:cNvCxnSpPr>
+          <p:nvPr/>
+        </p:nvCxnSpPr>
+        <p:spPr>
+          <a:xfrm>
+            <a:off x="10137775" y="818813"/>
+            <a:ext cx="0" cy="243670"/>
+          </a:xfrm>
+          <a:prstGeom prst="straightConnector1">
+            <a:avLst/>
+          </a:prstGeom>
+          <a:ln>
+            <a:tailEnd type="triangle"/>
+          </a:ln>
+        </p:spPr>
+        <p:style>
+          <a:lnRef idx="2">
+            <a:schemeClr val="accent1"/>
+          </a:lnRef>
+          <a:fillRef idx="0">
+            <a:schemeClr val="accent1"/>
+          </a:fillRef>
+          <a:effectRef idx="1">
+            <a:schemeClr val="accent1"/>
+          </a:effectRef>
+          <a:fontRef idx="minor">
+            <a:schemeClr val="tx1"/>
+          </a:fontRef>
+        </p:style>
+      </p:cxnSp>
+      <p:cxnSp>
+        <p:nvCxnSpPr>
+          <p:cNvPr id="37" name="直線矢印コネクタ 36">
+            <a:extLst>
+              <a:ext uri="{FF2B5EF4-FFF2-40B4-BE49-F238E27FC236}">
+                <a16:creationId xmlns:a16="http://schemas.microsoft.com/office/drawing/2014/main" id="{547BE4C8-24CC-85C4-0881-6A8EFBA387AF}"/>
+              </a:ext>
+            </a:extLst>
+          </p:cNvPr>
+          <p:cNvCxnSpPr>
+            <a:cxnSpLocks/>
+            <a:stCxn id="10" idx="2"/>
+            <a:endCxn id="11" idx="0"/>
+          </p:cNvCxnSpPr>
+          <p:nvPr/>
+        </p:nvCxnSpPr>
+        <p:spPr>
+          <a:xfrm>
+            <a:off x="10137775" y="1431815"/>
+            <a:ext cx="0" cy="245059"/>
+          </a:xfrm>
+          <a:prstGeom prst="straightConnector1">
+            <a:avLst/>
+          </a:prstGeom>
+          <a:ln>
+            <a:tailEnd type="triangle"/>
+          </a:ln>
+        </p:spPr>
+        <p:style>
+          <a:lnRef idx="2">
+            <a:schemeClr val="accent1"/>
+          </a:lnRef>
+          <a:fillRef idx="0">
+            <a:schemeClr val="accent1"/>
+          </a:fillRef>
+          <a:effectRef idx="1">
+            <a:schemeClr val="accent1"/>
+          </a:effectRef>
+          <a:fontRef idx="minor">
+            <a:schemeClr val="tx1"/>
+          </a:fontRef>
+        </p:style>
+      </p:cxnSp>
+      <p:cxnSp>
+        <p:nvCxnSpPr>
+          <p:cNvPr id="48" name="直線矢印コネクタ 47">
+            <a:extLst>
+              <a:ext uri="{FF2B5EF4-FFF2-40B4-BE49-F238E27FC236}">
+                <a16:creationId xmlns:a16="http://schemas.microsoft.com/office/drawing/2014/main" id="{456CA93B-D1A2-B986-6C5A-DBFD4D9E20EE}"/>
+              </a:ext>
+            </a:extLst>
+          </p:cNvPr>
+          <p:cNvCxnSpPr>
+            <a:cxnSpLocks/>
+            <a:stCxn id="11" idx="2"/>
+            <a:endCxn id="12" idx="0"/>
+          </p:cNvCxnSpPr>
+          <p:nvPr/>
+        </p:nvCxnSpPr>
+        <p:spPr>
+          <a:xfrm>
+            <a:off x="10137775" y="2323205"/>
+            <a:ext cx="0" cy="241194"/>
+          </a:xfrm>
+          <a:prstGeom prst="straightConnector1">
+            <a:avLst/>
+          </a:prstGeom>
+          <a:ln>
+            <a:tailEnd type="triangle"/>
+          </a:ln>
+        </p:spPr>
+        <p:style>
+          <a:lnRef idx="2">
+            <a:schemeClr val="accent1"/>
+          </a:lnRef>
+          <a:fillRef idx="0">
+            <a:schemeClr val="accent1"/>
+          </a:fillRef>
+          <a:effectRef idx="1">
+            <a:schemeClr val="accent1"/>
+          </a:effectRef>
+          <a:fontRef idx="minor">
+            <a:schemeClr val="tx1"/>
+          </a:fontRef>
+        </p:style>
+      </p:cxnSp>
+      <p:cxnSp>
+        <p:nvCxnSpPr>
+          <p:cNvPr id="51" name="直線矢印コネクタ 50">
+            <a:extLst>
+              <a:ext uri="{FF2B5EF4-FFF2-40B4-BE49-F238E27FC236}">
+                <a16:creationId xmlns:a16="http://schemas.microsoft.com/office/drawing/2014/main" id="{6F8C8149-A120-C234-6469-DF0CA4BF031A}"/>
+              </a:ext>
+            </a:extLst>
+          </p:cNvPr>
+          <p:cNvCxnSpPr>
+            <a:cxnSpLocks/>
+            <a:stCxn id="12" idx="2"/>
+            <a:endCxn id="13" idx="0"/>
+          </p:cNvCxnSpPr>
+          <p:nvPr/>
+        </p:nvCxnSpPr>
+        <p:spPr>
+          <a:xfrm>
+            <a:off x="10137775" y="2933731"/>
+            <a:ext cx="6350" cy="247535"/>
+          </a:xfrm>
+          <a:prstGeom prst="straightConnector1">
+            <a:avLst/>
+          </a:prstGeom>
+          <a:ln>
+            <a:tailEnd type="triangle"/>
+          </a:ln>
+        </p:spPr>
+        <p:style>
+          <a:lnRef idx="2">
+            <a:schemeClr val="accent1"/>
+          </a:lnRef>
+          <a:fillRef idx="0">
+            <a:schemeClr val="accent1"/>
+          </a:fillRef>
+          <a:effectRef idx="1">
+            <a:schemeClr val="accent1"/>
+          </a:effectRef>
+          <a:fontRef idx="minor">
+            <a:schemeClr val="tx1"/>
+          </a:fontRef>
+        </p:style>
+      </p:cxnSp>
+      <p:cxnSp>
+        <p:nvCxnSpPr>
+          <p:cNvPr id="56" name="直線矢印コネクタ 55">
+            <a:extLst>
+              <a:ext uri="{FF2B5EF4-FFF2-40B4-BE49-F238E27FC236}">
+                <a16:creationId xmlns:a16="http://schemas.microsoft.com/office/drawing/2014/main" id="{CAA086DC-591A-B3F5-2CBB-5AAB47344725}"/>
+              </a:ext>
+            </a:extLst>
+          </p:cNvPr>
+          <p:cNvCxnSpPr>
+            <a:cxnSpLocks/>
+            <a:stCxn id="13" idx="2"/>
+            <a:endCxn id="15" idx="0"/>
+          </p:cNvCxnSpPr>
+          <p:nvPr/>
+        </p:nvCxnSpPr>
+        <p:spPr>
+          <a:xfrm flipH="1">
+            <a:off x="8145462" y="3827597"/>
+            <a:ext cx="1998663" cy="905554"/>
+          </a:xfrm>
+          <a:prstGeom prst="straightConnector1">
+            <a:avLst/>
+          </a:prstGeom>
+          <a:ln>
+            <a:tailEnd type="triangle"/>
+          </a:ln>
+        </p:spPr>
+        <p:style>
+          <a:lnRef idx="2">
+            <a:schemeClr val="accent1"/>
+          </a:lnRef>
+          <a:fillRef idx="0">
+            <a:schemeClr val="accent1"/>
+          </a:fillRef>
+          <a:effectRef idx="1">
+            <a:schemeClr val="accent1"/>
+          </a:effectRef>
+          <a:fontRef idx="minor">
+            <a:schemeClr val="tx1"/>
+          </a:fontRef>
+        </p:style>
+      </p:cxnSp>
+      <p:cxnSp>
+        <p:nvCxnSpPr>
+          <p:cNvPr id="59" name="直線矢印コネクタ 58">
+            <a:extLst>
+              <a:ext uri="{FF2B5EF4-FFF2-40B4-BE49-F238E27FC236}">
+                <a16:creationId xmlns:a16="http://schemas.microsoft.com/office/drawing/2014/main" id="{58F47CAB-51E8-4613-A4C1-CBC0CDDEE81B}"/>
+              </a:ext>
+            </a:extLst>
+          </p:cNvPr>
+          <p:cNvCxnSpPr>
+            <a:cxnSpLocks/>
+            <a:stCxn id="15" idx="2"/>
+            <a:endCxn id="16" idx="0"/>
+          </p:cNvCxnSpPr>
+          <p:nvPr/>
+        </p:nvCxnSpPr>
+        <p:spPr>
+          <a:xfrm>
+            <a:off x="8145462" y="5102483"/>
+            <a:ext cx="0" cy="558442"/>
+          </a:xfrm>
+          <a:prstGeom prst="straightConnector1">
+            <a:avLst/>
+          </a:prstGeom>
+          <a:ln>
+            <a:tailEnd type="triangle"/>
+          </a:ln>
+        </p:spPr>
+        <p:style>
+          <a:lnRef idx="2">
+            <a:schemeClr val="accent1"/>
+          </a:lnRef>
+          <a:fillRef idx="0">
+            <a:schemeClr val="accent1"/>
+          </a:fillRef>
+          <a:effectRef idx="1">
+            <a:schemeClr val="accent1"/>
+          </a:effectRef>
+          <a:fontRef idx="minor">
+            <a:schemeClr val="tx1"/>
+          </a:fontRef>
+        </p:style>
+      </p:cxnSp>
+      <p:cxnSp>
+        <p:nvCxnSpPr>
+          <p:cNvPr id="62" name="直線矢印コネクタ 61">
+            <a:extLst>
+              <a:ext uri="{FF2B5EF4-FFF2-40B4-BE49-F238E27FC236}">
+                <a16:creationId xmlns:a16="http://schemas.microsoft.com/office/drawing/2014/main" id="{E8D910A3-B854-6B33-0BD2-AE99EA66A599}"/>
+              </a:ext>
+            </a:extLst>
+          </p:cNvPr>
+          <p:cNvCxnSpPr>
+            <a:cxnSpLocks/>
+            <a:stCxn id="4" idx="3"/>
+            <a:endCxn id="9" idx="1"/>
+          </p:cNvCxnSpPr>
+          <p:nvPr/>
+        </p:nvCxnSpPr>
+        <p:spPr>
+          <a:xfrm>
+            <a:off x="7661275" y="495647"/>
+            <a:ext cx="962025" cy="1"/>
+          </a:xfrm>
+          <a:prstGeom prst="straightConnector1">
+            <a:avLst/>
+          </a:prstGeom>
+          <a:ln>
+            <a:tailEnd type="triangle"/>
+          </a:ln>
+        </p:spPr>
+        <p:style>
+          <a:lnRef idx="2">
+            <a:schemeClr val="accent1"/>
+          </a:lnRef>
+          <a:fillRef idx="0">
+            <a:schemeClr val="accent1"/>
+          </a:fillRef>
+          <a:effectRef idx="1">
+            <a:schemeClr val="accent1"/>
+          </a:effectRef>
+          <a:fontRef idx="minor">
+            <a:schemeClr val="tx1"/>
+          </a:fontRef>
+        </p:style>
+      </p:cxnSp>
+    </p:spTree>
+    <p:extLst>
+      <p:ext uri="{BB962C8B-B14F-4D97-AF65-F5344CB8AC3E}">
+        <p14:creationId xmlns:p14="http://schemas.microsoft.com/office/powerpoint/2010/main" val="3365551322"/>
+      </p:ext>
+    </p:extLst>
+  </p:cSld>
+  <p:clrMapOvr>
+    <a:masterClrMapping/>
+  </p:clrMapOvr>
+</p:sld>
+</file>
+
+<file path=ppt/slides/slide4.xml><?xml version="1.0" encoding="utf-8"?>
+<p:sld xmlns:a="http://schemas.openxmlformats.org/drawingml/2006/main" xmlns:r="http://schemas.openxmlformats.org/officeDocument/2006/relationships" xmlns:p="http://schemas.openxmlformats.org/presentationml/2006/main">
+  <p:cSld>
+    <p:spTree>
+      <p:nvGrpSpPr>
+        <p:cNvPr id="1" name="">
+          <a:extLst>
+            <a:ext uri="{FF2B5EF4-FFF2-40B4-BE49-F238E27FC236}">
+              <a16:creationId xmlns:a16="http://schemas.microsoft.com/office/drawing/2014/main" id="{0E8D49B5-B64F-3804-7301-5D0173F83493}"/>
+            </a:ext>
+          </a:extLst>
+        </p:cNvPr>
+        <p:cNvGrpSpPr/>
+        <p:nvPr/>
+      </p:nvGrpSpPr>
+      <p:grpSpPr>
+        <a:xfrm>
+          <a:off x="0" y="0"/>
+          <a:ext cx="0" cy="0"/>
+          <a:chOff x="0" y="0"/>
+          <a:chExt cx="0" cy="0"/>
+        </a:xfrm>
+      </p:grpSpPr>
+      <p:pic>
+        <p:nvPicPr>
+          <p:cNvPr id="5" name="図 4" descr="テーブル&#10;&#10;AI 生成コンテンツは誤りを含む可能性があります。">
+            <a:extLst>
+              <a:ext uri="{FF2B5EF4-FFF2-40B4-BE49-F238E27FC236}">
+                <a16:creationId xmlns:a16="http://schemas.microsoft.com/office/drawing/2014/main" id="{A8FD5232-3429-DBC0-6C9A-1C991CA78A8D}"/>
+              </a:ext>
+            </a:extLst>
+          </p:cNvPr>
+          <p:cNvPicPr>
+            <a:picLocks noChangeAspect="1"/>
+          </p:cNvPicPr>
+          <p:nvPr/>
+        </p:nvPicPr>
+        <p:blipFill>
+          <a:blip r:embed="rId2">
+            <a:extLst>
+              <a:ext uri="{28A0092B-C50C-407E-A947-70E740481C1C}">
+                <a14:useLocalDpi xmlns:a14="http://schemas.microsoft.com/office/drawing/2010/main" val="0"/>
+              </a:ext>
+            </a:extLst>
+          </a:blip>
+          <a:stretch>
+            <a:fillRect/>
+          </a:stretch>
+        </p:blipFill>
+        <p:spPr>
+          <a:xfrm rot="5400000">
+            <a:off x="3499587" y="-2145407"/>
+            <a:ext cx="5192826" cy="11148814"/>
+          </a:xfrm>
+          <a:prstGeom prst="rect">
+            <a:avLst/>
+          </a:prstGeom>
+        </p:spPr>
+      </p:pic>
+    </p:spTree>
+    <p:extLst>
+      <p:ext uri="{BB962C8B-B14F-4D97-AF65-F5344CB8AC3E}">
+        <p14:creationId xmlns:p14="http://schemas.microsoft.com/office/powerpoint/2010/main" val="3973041287"/>
       </p:ext>
     </p:extLst>
   </p:cSld>
